--- a/assets/cubesat-rc.pptx
+++ b/assets/cubesat-rc.pptx
@@ -3256,6 +3256,315 @@
           <a:chExt cx="0" cy="0"/>
         </a:xfrm>
       </p:grpSpPr>
+      <p:pic>
+        <p:nvPicPr>
+          <p:cNvPr id="1026" name="Picture 2" descr="人工衛星のイラスト">
+            <a:extLst>
+              <a:ext uri="{FF2B5EF4-FFF2-40B4-BE49-F238E27FC236}">
+                <a16:creationId xmlns:a16="http://schemas.microsoft.com/office/drawing/2014/main" id="{FCA068BF-1CA1-417A-FB2C-0BF16AAB3A48}"/>
+              </a:ext>
+            </a:extLst>
+          </p:cNvPr>
+          <p:cNvPicPr>
+            <a:picLocks noChangeAspect="1" noChangeArrowheads="1"/>
+          </p:cNvPicPr>
+          <p:nvPr/>
+        </p:nvPicPr>
+        <p:blipFill>
+          <a:blip r:embed="rId2">
+            <a:extLst>
+              <a:ext uri="{28A0092B-C50C-407E-A947-70E740481C1C}">
+                <a14:useLocalDpi xmlns:a14="http://schemas.microsoft.com/office/drawing/2010/main" val="0"/>
+              </a:ext>
+            </a:extLst>
+          </a:blip>
+          <a:srcRect/>
+          <a:stretch>
+            <a:fillRect/>
+          </a:stretch>
+        </p:blipFill>
+        <p:spPr bwMode="auto">
+          <a:xfrm rot="20797277">
+            <a:off x="7429796" y="395460"/>
+            <a:ext cx="2914024" cy="2782893"/>
+          </a:xfrm>
+          <a:prstGeom prst="rect">
+            <a:avLst/>
+          </a:prstGeom>
+          <a:noFill/>
+          <a:extLst>
+            <a:ext uri="{909E8E84-426E-40DD-AFC4-6F175D3DCCD1}">
+              <a14:hiddenFill xmlns:a14="http://schemas.microsoft.com/office/drawing/2010/main">
+                <a:solidFill>
+                  <a:srgbClr val="FFFFFF"/>
+                </a:solidFill>
+              </a14:hiddenFill>
+            </a:ext>
+          </a:extLst>
+        </p:spPr>
+      </p:pic>
+      <p:pic>
+        <p:nvPicPr>
+          <p:cNvPr id="1028" name="Picture 4" descr="地球ののイラスト">
+            <a:extLst>
+              <a:ext uri="{FF2B5EF4-FFF2-40B4-BE49-F238E27FC236}">
+                <a16:creationId xmlns:a16="http://schemas.microsoft.com/office/drawing/2014/main" id="{5B129E1D-6037-B09C-5830-616BB4ED67A9}"/>
+              </a:ext>
+            </a:extLst>
+          </p:cNvPr>
+          <p:cNvPicPr>
+            <a:picLocks noChangeAspect="1" noChangeArrowheads="1"/>
+          </p:cNvPicPr>
+          <p:nvPr/>
+        </p:nvPicPr>
+        <p:blipFill>
+          <a:blip r:embed="rId3">
+            <a:extLst>
+              <a:ext uri="{28A0092B-C50C-407E-A947-70E740481C1C}">
+                <a14:useLocalDpi xmlns:a14="http://schemas.microsoft.com/office/drawing/2010/main" val="0"/>
+              </a:ext>
+            </a:extLst>
+          </a:blip>
+          <a:srcRect/>
+          <a:stretch>
+            <a:fillRect/>
+          </a:stretch>
+        </p:blipFill>
+        <p:spPr bwMode="auto">
+          <a:xfrm>
+            <a:off x="526095" y="4048918"/>
+            <a:ext cx="2887331" cy="2829585"/>
+          </a:xfrm>
+          <a:prstGeom prst="rect">
+            <a:avLst/>
+          </a:prstGeom>
+          <a:noFill/>
+          <a:extLst>
+            <a:ext uri="{909E8E84-426E-40DD-AFC4-6F175D3DCCD1}">
+              <a14:hiddenFill xmlns:a14="http://schemas.microsoft.com/office/drawing/2010/main">
+                <a:solidFill>
+                  <a:srgbClr val="FFFFFF"/>
+                </a:solidFill>
+              </a14:hiddenFill>
+            </a:ext>
+          </a:extLst>
+        </p:spPr>
+      </p:pic>
+      <p:pic>
+        <p:nvPicPr>
+          <p:cNvPr id="1030" name="Picture 6" descr="テレビのアンテナのイラスト">
+            <a:extLst>
+              <a:ext uri="{FF2B5EF4-FFF2-40B4-BE49-F238E27FC236}">
+                <a16:creationId xmlns:a16="http://schemas.microsoft.com/office/drawing/2014/main" id="{884D90BA-B89D-48FD-6267-715D8D93E863}"/>
+              </a:ext>
+            </a:extLst>
+          </p:cNvPr>
+          <p:cNvPicPr>
+            <a:picLocks noChangeAspect="1" noChangeArrowheads="1"/>
+          </p:cNvPicPr>
+          <p:nvPr/>
+        </p:nvPicPr>
+        <p:blipFill>
+          <a:blip r:embed="rId4">
+            <a:extLst>
+              <a:ext uri="{28A0092B-C50C-407E-A947-70E740481C1C}">
+                <a14:useLocalDpi xmlns:a14="http://schemas.microsoft.com/office/drawing/2010/main" val="0"/>
+              </a:ext>
+            </a:extLst>
+          </a:blip>
+          <a:srcRect/>
+          <a:stretch>
+            <a:fillRect/>
+          </a:stretch>
+        </p:blipFill>
+        <p:spPr bwMode="auto">
+          <a:xfrm flipH="1">
+            <a:off x="778949" y="3230088"/>
+            <a:ext cx="1934998" cy="1934998"/>
+          </a:xfrm>
+          <a:prstGeom prst="rect">
+            <a:avLst/>
+          </a:prstGeom>
+          <a:noFill/>
+          <a:extLst>
+            <a:ext uri="{909E8E84-426E-40DD-AFC4-6F175D3DCCD1}">
+              <a14:hiddenFill xmlns:a14="http://schemas.microsoft.com/office/drawing/2010/main">
+                <a:solidFill>
+                  <a:srgbClr val="FFFFFF"/>
+                </a:solidFill>
+              </a14:hiddenFill>
+            </a:ext>
+          </a:extLst>
+        </p:spPr>
+      </p:pic>
+      <p:cxnSp>
+        <p:nvCxnSpPr>
+          <p:cNvPr id="9" name="直線矢印コネクタ 8">
+            <a:extLst>
+              <a:ext uri="{FF2B5EF4-FFF2-40B4-BE49-F238E27FC236}">
+                <a16:creationId xmlns:a16="http://schemas.microsoft.com/office/drawing/2014/main" id="{A5B6988F-5DBF-73B7-2115-6A51241B098E}"/>
+              </a:ext>
+            </a:extLst>
+          </p:cNvPr>
+          <p:cNvCxnSpPr>
+            <a:cxnSpLocks/>
+          </p:cNvCxnSpPr>
+          <p:nvPr/>
+        </p:nvCxnSpPr>
+        <p:spPr>
+          <a:xfrm flipV="1">
+            <a:off x="3481260" y="2515064"/>
+            <a:ext cx="3614000" cy="1391918"/>
+          </a:xfrm>
+          <a:prstGeom prst="straightConnector1">
+            <a:avLst/>
+          </a:prstGeom>
+          <a:ln w="152400">
+            <a:tailEnd type="triangle"/>
+          </a:ln>
+        </p:spPr>
+        <p:style>
+          <a:lnRef idx="2">
+            <a:schemeClr val="accent1"/>
+          </a:lnRef>
+          <a:fillRef idx="0">
+            <a:schemeClr val="accent1"/>
+          </a:fillRef>
+          <a:effectRef idx="1">
+            <a:schemeClr val="accent1"/>
+          </a:effectRef>
+          <a:fontRef idx="minor">
+            <a:schemeClr val="tx1"/>
+          </a:fontRef>
+        </p:style>
+      </p:cxnSp>
+      <p:cxnSp>
+        <p:nvCxnSpPr>
+          <p:cNvPr id="14" name="直線矢印コネクタ 13">
+            <a:extLst>
+              <a:ext uri="{FF2B5EF4-FFF2-40B4-BE49-F238E27FC236}">
+                <a16:creationId xmlns:a16="http://schemas.microsoft.com/office/drawing/2014/main" id="{3BA3A1BF-E9B5-1396-6899-888BC71E65B0}"/>
+              </a:ext>
+            </a:extLst>
+          </p:cNvPr>
+          <p:cNvCxnSpPr>
+            <a:cxnSpLocks/>
+          </p:cNvCxnSpPr>
+          <p:nvPr/>
+        </p:nvCxnSpPr>
+        <p:spPr>
+          <a:xfrm flipV="1">
+            <a:off x="3556416" y="3232724"/>
+            <a:ext cx="3614000" cy="1391918"/>
+          </a:xfrm>
+          <a:prstGeom prst="straightConnector1">
+            <a:avLst/>
+          </a:prstGeom>
+          <a:ln w="152400">
+            <a:solidFill>
+              <a:schemeClr val="accent2"/>
+            </a:solidFill>
+            <a:headEnd type="triangle"/>
+            <a:tailEnd type="none"/>
+          </a:ln>
+        </p:spPr>
+        <p:style>
+          <a:lnRef idx="2">
+            <a:schemeClr val="accent1"/>
+          </a:lnRef>
+          <a:fillRef idx="0">
+            <a:schemeClr val="accent1"/>
+          </a:fillRef>
+          <a:effectRef idx="1">
+            <a:schemeClr val="accent1"/>
+          </a:effectRef>
+          <a:fontRef idx="minor">
+            <a:schemeClr val="tx1"/>
+          </a:fontRef>
+        </p:style>
+      </p:cxnSp>
+      <p:sp>
+        <p:nvSpPr>
+          <p:cNvPr id="15" name="テキスト ボックス 14">
+            <a:extLst>
+              <a:ext uri="{FF2B5EF4-FFF2-40B4-BE49-F238E27FC236}">
+                <a16:creationId xmlns:a16="http://schemas.microsoft.com/office/drawing/2014/main" id="{AF7EE9D4-7850-8877-264E-6842182DF12C}"/>
+              </a:ext>
+            </a:extLst>
+          </p:cNvPr>
+          <p:cNvSpPr txBox="1"/>
+          <p:nvPr/>
+        </p:nvSpPr>
+        <p:spPr>
+          <a:xfrm>
+            <a:off x="5683689" y="4111548"/>
+            <a:ext cx="2457724" cy="707886"/>
+          </a:xfrm>
+          <a:prstGeom prst="rect">
+            <a:avLst/>
+          </a:prstGeom>
+          <a:noFill/>
+        </p:spPr>
+        <p:txBody>
+          <a:bodyPr wrap="none" rtlCol="0">
+            <a:spAutoFit/>
+          </a:bodyPr>
+          <a:lstStyle/>
+          <a:p>
+            <a:r>
+              <a:rPr kumimoji="1" lang="ja-JP" altLang="en-US" sz="4000" b="1">
+                <a:solidFill>
+                  <a:schemeClr val="accent2"/>
+                </a:solidFill>
+                <a:latin typeface="BIZ UDPGothic" panose="020B0400000000000000" pitchFamily="34" charset="-128"/>
+                <a:ea typeface="BIZ UDPGothic" panose="020B0400000000000000" pitchFamily="34" charset="-128"/>
+              </a:rPr>
+              <a:t>テレメトリ</a:t>
+            </a:r>
+          </a:p>
+        </p:txBody>
+      </p:sp>
+      <p:sp>
+        <p:nvSpPr>
+          <p:cNvPr id="16" name="テキスト ボックス 15">
+            <a:extLst>
+              <a:ext uri="{FF2B5EF4-FFF2-40B4-BE49-F238E27FC236}">
+                <a16:creationId xmlns:a16="http://schemas.microsoft.com/office/drawing/2014/main" id="{0C43C526-9FFA-4438-121E-B7FF8E132D3F}"/>
+              </a:ext>
+            </a:extLst>
+          </p:cNvPr>
+          <p:cNvSpPr txBox="1"/>
+          <p:nvPr/>
+        </p:nvSpPr>
+        <p:spPr>
+          <a:xfrm>
+            <a:off x="3083214" y="2210290"/>
+            <a:ext cx="2042547" cy="707886"/>
+          </a:xfrm>
+          <a:prstGeom prst="rect">
+            <a:avLst/>
+          </a:prstGeom>
+          <a:noFill/>
+        </p:spPr>
+        <p:txBody>
+          <a:bodyPr wrap="none" rtlCol="0">
+            <a:spAutoFit/>
+          </a:bodyPr>
+          <a:lstStyle/>
+          <a:p>
+            <a:r>
+              <a:rPr kumimoji="1" lang="ja-JP" altLang="en-US" sz="4000" b="1">
+                <a:solidFill>
+                  <a:schemeClr val="accent1"/>
+                </a:solidFill>
+                <a:latin typeface="BIZ UDPGothic" panose="020B0400000000000000" pitchFamily="34" charset="-128"/>
+                <a:ea typeface="BIZ UDPGothic" panose="020B0400000000000000" pitchFamily="34" charset="-128"/>
+              </a:rPr>
+              <a:t>コマンド</a:t>
+            </a:r>
+          </a:p>
+        </p:txBody>
+      </p:sp>
     </p:spTree>
     <p:extLst>
       <p:ext uri="{BB962C8B-B14F-4D97-AF65-F5344CB8AC3E}">

--- a/assets/cubesat-rc.pptx
+++ b/assets/cubesat-rc.pptx
@@ -6,6 +6,7 @@
   </p:sldMasterIdLst>
   <p:sldIdLst>
     <p:sldId id="256" r:id="rId2"/>
+    <p:sldId id="257" r:id="rId3"/>
   </p:sldIdLst>
   <p:sldSz cx="10799763" cy="7199313"/>
   <p:notesSz cx="6858000" cy="9144000"/>
@@ -104,6 +105,11 @@
       </a:defRPr>
     </a:lvl9pPr>
   </p:defaultTextStyle>
+  <p:extLst>
+    <p:ext uri="{EFAFB233-063F-42B5-8137-9DF3F51BA10A}">
+      <p15:sldGuideLst xmlns:p15="http://schemas.microsoft.com/office/powerpoint/2012/main"/>
+    </p:ext>
+  </p:extLst>
 </p:presentation>
 </file>
 
@@ -238,7 +244,7 @@
           <a:p>
             <a:fld id="{1A742404-23E1-2344-8F9F-532BADA95472}" type="datetimeFigureOut">
               <a:rPr kumimoji="1" lang="ja-JP" altLang="en-US" smtClean="0"/>
-              <a:t>2025/9/7</a:t>
+              <a:t>2025/9/8</a:t>
             </a:fld>
             <a:endParaRPr kumimoji="1" lang="ja-JP" altLang="en-US"/>
           </a:p>
@@ -440,7 +446,7 @@
           <a:p>
             <a:fld id="{1A742404-23E1-2344-8F9F-532BADA95472}" type="datetimeFigureOut">
               <a:rPr kumimoji="1" lang="ja-JP" altLang="en-US" smtClean="0"/>
-              <a:t>2025/9/7</a:t>
+              <a:t>2025/9/8</a:t>
             </a:fld>
             <a:endParaRPr kumimoji="1" lang="ja-JP" altLang="en-US"/>
           </a:p>
@@ -652,7 +658,7 @@
           <a:p>
             <a:fld id="{1A742404-23E1-2344-8F9F-532BADA95472}" type="datetimeFigureOut">
               <a:rPr kumimoji="1" lang="ja-JP" altLang="en-US" smtClean="0"/>
-              <a:t>2025/9/7</a:t>
+              <a:t>2025/9/8</a:t>
             </a:fld>
             <a:endParaRPr kumimoji="1" lang="ja-JP" altLang="en-US"/>
           </a:p>
@@ -854,7 +860,7 @@
           <a:p>
             <a:fld id="{1A742404-23E1-2344-8F9F-532BADA95472}" type="datetimeFigureOut">
               <a:rPr kumimoji="1" lang="ja-JP" altLang="en-US" smtClean="0"/>
-              <a:t>2025/9/7</a:t>
+              <a:t>2025/9/8</a:t>
             </a:fld>
             <a:endParaRPr kumimoji="1" lang="ja-JP" altLang="en-US"/>
           </a:p>
@@ -1100,7 +1106,7 @@
           <a:p>
             <a:fld id="{1A742404-23E1-2344-8F9F-532BADA95472}" type="datetimeFigureOut">
               <a:rPr kumimoji="1" lang="ja-JP" altLang="en-US" smtClean="0"/>
-              <a:t>2025/9/7</a:t>
+              <a:t>2025/9/8</a:t>
             </a:fld>
             <a:endParaRPr kumimoji="1" lang="ja-JP" altLang="en-US"/>
           </a:p>
@@ -1396,7 +1402,7 @@
           <a:p>
             <a:fld id="{1A742404-23E1-2344-8F9F-532BADA95472}" type="datetimeFigureOut">
               <a:rPr kumimoji="1" lang="ja-JP" altLang="en-US" smtClean="0"/>
-              <a:t>2025/9/7</a:t>
+              <a:t>2025/9/8</a:t>
             </a:fld>
             <a:endParaRPr kumimoji="1" lang="ja-JP" altLang="en-US"/>
           </a:p>
@@ -1827,7 +1833,7 @@
           <a:p>
             <a:fld id="{1A742404-23E1-2344-8F9F-532BADA95472}" type="datetimeFigureOut">
               <a:rPr kumimoji="1" lang="ja-JP" altLang="en-US" smtClean="0"/>
-              <a:t>2025/9/7</a:t>
+              <a:t>2025/9/8</a:t>
             </a:fld>
             <a:endParaRPr kumimoji="1" lang="ja-JP" altLang="en-US"/>
           </a:p>
@@ -1945,7 +1951,7 @@
           <a:p>
             <a:fld id="{1A742404-23E1-2344-8F9F-532BADA95472}" type="datetimeFigureOut">
               <a:rPr kumimoji="1" lang="ja-JP" altLang="en-US" smtClean="0"/>
-              <a:t>2025/9/7</a:t>
+              <a:t>2025/9/8</a:t>
             </a:fld>
             <a:endParaRPr kumimoji="1" lang="ja-JP" altLang="en-US"/>
           </a:p>
@@ -2040,7 +2046,7 @@
           <a:p>
             <a:fld id="{1A742404-23E1-2344-8F9F-532BADA95472}" type="datetimeFigureOut">
               <a:rPr kumimoji="1" lang="ja-JP" altLang="en-US" smtClean="0"/>
-              <a:t>2025/9/7</a:t>
+              <a:t>2025/9/8</a:t>
             </a:fld>
             <a:endParaRPr kumimoji="1" lang="ja-JP" altLang="en-US"/>
           </a:p>
@@ -2349,7 +2355,7 @@
           <a:p>
             <a:fld id="{1A742404-23E1-2344-8F9F-532BADA95472}" type="datetimeFigureOut">
               <a:rPr kumimoji="1" lang="ja-JP" altLang="en-US" smtClean="0"/>
-              <a:t>2025/9/7</a:t>
+              <a:t>2025/9/8</a:t>
             </a:fld>
             <a:endParaRPr kumimoji="1" lang="ja-JP" altLang="en-US"/>
           </a:p>
@@ -2606,7 +2612,7 @@
           <a:p>
             <a:fld id="{1A742404-23E1-2344-8F9F-532BADA95472}" type="datetimeFigureOut">
               <a:rPr kumimoji="1" lang="ja-JP" altLang="en-US" smtClean="0"/>
-              <a:t>2025/9/7</a:t>
+              <a:t>2025/9/8</a:t>
             </a:fld>
             <a:endParaRPr kumimoji="1" lang="ja-JP" altLang="en-US"/>
           </a:p>
@@ -2851,7 +2857,7 @@
           <a:p>
             <a:fld id="{1A742404-23E1-2344-8F9F-532BADA95472}" type="datetimeFigureOut">
               <a:rPr kumimoji="1" lang="ja-JP" altLang="en-US" smtClean="0"/>
-              <a:t>2025/9/7</a:t>
+              <a:t>2025/9/8</a:t>
             </a:fld>
             <a:endParaRPr kumimoji="1" lang="ja-JP" altLang="en-US"/>
           </a:p>
@@ -3578,6 +3584,540 @@
 </p:sld>
 </file>
 
+<file path=ppt/slides/slide2.xml><?xml version="1.0" encoding="utf-8"?>
+<p:sld xmlns:a="http://schemas.openxmlformats.org/drawingml/2006/main" xmlns:r="http://schemas.openxmlformats.org/officeDocument/2006/relationships" xmlns:p="http://schemas.openxmlformats.org/presentationml/2006/main">
+  <p:cSld>
+    <p:spTree>
+      <p:nvGrpSpPr>
+        <p:cNvPr id="1" name=""/>
+        <p:cNvGrpSpPr/>
+        <p:nvPr/>
+      </p:nvGrpSpPr>
+      <p:grpSpPr>
+        <a:xfrm>
+          <a:off x="0" y="0"/>
+          <a:ext cx="0" cy="0"/>
+          <a:chOff x="0" y="0"/>
+          <a:chExt cx="0" cy="0"/>
+        </a:xfrm>
+      </p:grpSpPr>
+      <p:sp>
+        <p:nvSpPr>
+          <p:cNvPr id="4" name="角丸四角形 3">
+            <a:extLst>
+              <a:ext uri="{FF2B5EF4-FFF2-40B4-BE49-F238E27FC236}">
+                <a16:creationId xmlns:a16="http://schemas.microsoft.com/office/drawing/2014/main" id="{393D5397-A73A-229F-9B59-F9E66158CFB8}"/>
+              </a:ext>
+            </a:extLst>
+          </p:cNvPr>
+          <p:cNvSpPr/>
+          <p:nvPr/>
+        </p:nvSpPr>
+        <p:spPr>
+          <a:xfrm>
+            <a:off x="354151" y="433714"/>
+            <a:ext cx="10091459" cy="3945698"/>
+          </a:xfrm>
+          <a:prstGeom prst="roundRect">
+            <a:avLst>
+              <a:gd name="adj" fmla="val 2920"/>
+            </a:avLst>
+          </a:prstGeom>
+          <a:solidFill>
+            <a:schemeClr val="bg1"/>
+          </a:solidFill>
+          <a:ln w="57150">
+            <a:solidFill>
+              <a:schemeClr val="tx1"/>
+            </a:solidFill>
+          </a:ln>
+        </p:spPr>
+        <p:style>
+          <a:lnRef idx="2">
+            <a:schemeClr val="accent1">
+              <a:shade val="15000"/>
+            </a:schemeClr>
+          </a:lnRef>
+          <a:fillRef idx="1">
+            <a:schemeClr val="accent1"/>
+          </a:fillRef>
+          <a:effectRef idx="0">
+            <a:schemeClr val="accent1"/>
+          </a:effectRef>
+          <a:fontRef idx="minor">
+            <a:schemeClr val="lt1"/>
+          </a:fontRef>
+        </p:style>
+        <p:txBody>
+          <a:bodyPr rtlCol="0" anchor="ctr"/>
+          <a:lstStyle/>
+          <a:p>
+            <a:pPr algn="ctr"/>
+            <a:endParaRPr kumimoji="1" lang="ja-JP" altLang="en-US"/>
+          </a:p>
+        </p:txBody>
+      </p:sp>
+      <p:sp>
+        <p:nvSpPr>
+          <p:cNvPr id="5" name="正方形/長方形 4">
+            <a:extLst>
+              <a:ext uri="{FF2B5EF4-FFF2-40B4-BE49-F238E27FC236}">
+                <a16:creationId xmlns:a16="http://schemas.microsoft.com/office/drawing/2014/main" id="{474A6C11-E11E-1093-894D-6E96D773793D}"/>
+              </a:ext>
+            </a:extLst>
+          </p:cNvPr>
+          <p:cNvSpPr/>
+          <p:nvPr/>
+        </p:nvSpPr>
+        <p:spPr>
+          <a:xfrm>
+            <a:off x="751563" y="0"/>
+            <a:ext cx="2918564" cy="867428"/>
+          </a:xfrm>
+          <a:prstGeom prst="rect">
+            <a:avLst/>
+          </a:prstGeom>
+          <a:solidFill>
+            <a:schemeClr val="bg1"/>
+          </a:solidFill>
+          <a:ln>
+            <a:noFill/>
+          </a:ln>
+        </p:spPr>
+        <p:style>
+          <a:lnRef idx="2">
+            <a:schemeClr val="accent1">
+              <a:shade val="15000"/>
+            </a:schemeClr>
+          </a:lnRef>
+          <a:fillRef idx="1">
+            <a:schemeClr val="accent1"/>
+          </a:fillRef>
+          <a:effectRef idx="0">
+            <a:schemeClr val="accent1"/>
+          </a:effectRef>
+          <a:fontRef idx="minor">
+            <a:schemeClr val="lt1"/>
+          </a:fontRef>
+        </p:style>
+        <p:txBody>
+          <a:bodyPr rtlCol="0" anchor="ctr"/>
+          <a:lstStyle/>
+          <a:p>
+            <a:pPr algn="ctr"/>
+            <a:r>
+              <a:rPr kumimoji="1" lang="ja-JP" altLang="en-US" sz="4000" b="1">
+                <a:solidFill>
+                  <a:schemeClr val="tx1"/>
+                </a:solidFill>
+                <a:latin typeface="BIZ UDPGothic" panose="020B0400000000000000" pitchFamily="34" charset="-128"/>
+                <a:ea typeface="BIZ UDPGothic" panose="020B0400000000000000" pitchFamily="34" charset="-128"/>
+              </a:rPr>
+              <a:t>テレメトリ</a:t>
+            </a:r>
+          </a:p>
+        </p:txBody>
+      </p:sp>
+      <p:sp>
+        <p:nvSpPr>
+          <p:cNvPr id="6" name="角丸四角形 5">
+            <a:extLst>
+              <a:ext uri="{FF2B5EF4-FFF2-40B4-BE49-F238E27FC236}">
+                <a16:creationId xmlns:a16="http://schemas.microsoft.com/office/drawing/2014/main" id="{17C8FEBC-22D3-6664-4D34-C84F775EA686}"/>
+              </a:ext>
+            </a:extLst>
+          </p:cNvPr>
+          <p:cNvSpPr/>
+          <p:nvPr/>
+        </p:nvSpPr>
+        <p:spPr>
+          <a:xfrm>
+            <a:off x="820489" y="1301143"/>
+            <a:ext cx="4402315" cy="2539651"/>
+          </a:xfrm>
+          <a:prstGeom prst="roundRect">
+            <a:avLst>
+              <a:gd name="adj" fmla="val 2920"/>
+            </a:avLst>
+          </a:prstGeom>
+          <a:solidFill>
+            <a:schemeClr val="bg1"/>
+          </a:solidFill>
+          <a:ln w="57150">
+            <a:solidFill>
+              <a:schemeClr val="accent1"/>
+            </a:solidFill>
+          </a:ln>
+        </p:spPr>
+        <p:style>
+          <a:lnRef idx="2">
+            <a:schemeClr val="accent1">
+              <a:shade val="15000"/>
+            </a:schemeClr>
+          </a:lnRef>
+          <a:fillRef idx="1">
+            <a:schemeClr val="accent1"/>
+          </a:fillRef>
+          <a:effectRef idx="0">
+            <a:schemeClr val="accent1"/>
+          </a:effectRef>
+          <a:fontRef idx="minor">
+            <a:schemeClr val="lt1"/>
+          </a:fontRef>
+        </p:style>
+        <p:txBody>
+          <a:bodyPr rtlCol="0" anchor="ctr"/>
+          <a:lstStyle/>
+          <a:p>
+            <a:pPr algn="ctr"/>
+            <a:endParaRPr kumimoji="1" lang="ja-JP" altLang="en-US"/>
+          </a:p>
+        </p:txBody>
+      </p:sp>
+      <p:sp>
+        <p:nvSpPr>
+          <p:cNvPr id="8" name="角丸四角形 7">
+            <a:extLst>
+              <a:ext uri="{FF2B5EF4-FFF2-40B4-BE49-F238E27FC236}">
+                <a16:creationId xmlns:a16="http://schemas.microsoft.com/office/drawing/2014/main" id="{168D28CF-8AFF-13DA-D30C-57BE22512BE5}"/>
+              </a:ext>
+            </a:extLst>
+          </p:cNvPr>
+          <p:cNvSpPr/>
+          <p:nvPr/>
+        </p:nvSpPr>
+        <p:spPr>
+          <a:xfrm>
+            <a:off x="5576957" y="1301142"/>
+            <a:ext cx="4402315" cy="2539651"/>
+          </a:xfrm>
+          <a:prstGeom prst="roundRect">
+            <a:avLst>
+              <a:gd name="adj" fmla="val 2920"/>
+            </a:avLst>
+          </a:prstGeom>
+          <a:solidFill>
+            <a:schemeClr val="bg1"/>
+          </a:solidFill>
+          <a:ln w="57150">
+            <a:solidFill>
+              <a:schemeClr val="accent3"/>
+            </a:solidFill>
+          </a:ln>
+        </p:spPr>
+        <p:style>
+          <a:lnRef idx="2">
+            <a:schemeClr val="accent1">
+              <a:shade val="15000"/>
+            </a:schemeClr>
+          </a:lnRef>
+          <a:fillRef idx="1">
+            <a:schemeClr val="accent1"/>
+          </a:fillRef>
+          <a:effectRef idx="0">
+            <a:schemeClr val="accent1"/>
+          </a:effectRef>
+          <a:fontRef idx="minor">
+            <a:schemeClr val="lt1"/>
+          </a:fontRef>
+        </p:style>
+        <p:txBody>
+          <a:bodyPr rtlCol="0" anchor="ctr"/>
+          <a:lstStyle/>
+          <a:p>
+            <a:pPr algn="ctr"/>
+            <a:endParaRPr kumimoji="1" lang="ja-JP" altLang="en-US">
+              <a:solidFill>
+                <a:schemeClr val="accent6"/>
+              </a:solidFill>
+            </a:endParaRPr>
+          </a:p>
+        </p:txBody>
+      </p:sp>
+      <p:sp>
+        <p:nvSpPr>
+          <p:cNvPr id="10" name="正方形/長方形 9">
+            <a:extLst>
+              <a:ext uri="{FF2B5EF4-FFF2-40B4-BE49-F238E27FC236}">
+                <a16:creationId xmlns:a16="http://schemas.microsoft.com/office/drawing/2014/main" id="{F668B067-DEA7-6E50-FF6A-C2E912C562E6}"/>
+              </a:ext>
+            </a:extLst>
+          </p:cNvPr>
+          <p:cNvSpPr/>
+          <p:nvPr/>
+        </p:nvSpPr>
+        <p:spPr>
+          <a:xfrm>
+            <a:off x="1109599" y="984859"/>
+            <a:ext cx="2197272" cy="607514"/>
+          </a:xfrm>
+          <a:prstGeom prst="rect">
+            <a:avLst/>
+          </a:prstGeom>
+          <a:solidFill>
+            <a:schemeClr val="bg1"/>
+          </a:solidFill>
+          <a:ln>
+            <a:noFill/>
+          </a:ln>
+        </p:spPr>
+        <p:style>
+          <a:lnRef idx="2">
+            <a:schemeClr val="accent1">
+              <a:shade val="15000"/>
+            </a:schemeClr>
+          </a:lnRef>
+          <a:fillRef idx="1">
+            <a:schemeClr val="accent1"/>
+          </a:fillRef>
+          <a:effectRef idx="0">
+            <a:schemeClr val="accent1"/>
+          </a:effectRef>
+          <a:fontRef idx="minor">
+            <a:schemeClr val="lt1"/>
+          </a:fontRef>
+        </p:style>
+        <p:txBody>
+          <a:bodyPr rtlCol="0" anchor="ctr"/>
+          <a:lstStyle/>
+          <a:p>
+            <a:pPr algn="ctr"/>
+            <a:r>
+              <a:rPr kumimoji="1" lang="en-US" altLang="ja-JP" sz="3200" b="1" dirty="0">
+                <a:solidFill>
+                  <a:schemeClr val="accent1"/>
+                </a:solidFill>
+                <a:latin typeface="BIZ UDPGothic" panose="020B0400000000000000" pitchFamily="34" charset="-128"/>
+                <a:ea typeface="BIZ UDPGothic" panose="020B0400000000000000" pitchFamily="34" charset="-128"/>
+              </a:rPr>
+              <a:t>HK</a:t>
+            </a:r>
+            <a:r>
+              <a:rPr kumimoji="1" lang="ja-JP" altLang="en-US" sz="3200" b="1">
+                <a:solidFill>
+                  <a:schemeClr val="accent1"/>
+                </a:solidFill>
+                <a:latin typeface="BIZ UDPGothic" panose="020B0400000000000000" pitchFamily="34" charset="-128"/>
+                <a:ea typeface="BIZ UDPGothic" panose="020B0400000000000000" pitchFamily="34" charset="-128"/>
+              </a:rPr>
+              <a:t>データ</a:t>
+            </a:r>
+          </a:p>
+        </p:txBody>
+      </p:sp>
+      <p:sp>
+        <p:nvSpPr>
+          <p:cNvPr id="12" name="テキスト ボックス 11">
+            <a:extLst>
+              <a:ext uri="{FF2B5EF4-FFF2-40B4-BE49-F238E27FC236}">
+                <a16:creationId xmlns:a16="http://schemas.microsoft.com/office/drawing/2014/main" id="{139B0B49-4BDC-6DC1-5BDC-DCC4A3A265EF}"/>
+              </a:ext>
+            </a:extLst>
+          </p:cNvPr>
+          <p:cNvSpPr txBox="1"/>
+          <p:nvPr/>
+        </p:nvSpPr>
+        <p:spPr>
+          <a:xfrm>
+            <a:off x="1022541" y="2106906"/>
+            <a:ext cx="3998210" cy="769441"/>
+          </a:xfrm>
+          <a:prstGeom prst="rect">
+            <a:avLst/>
+          </a:prstGeom>
+          <a:noFill/>
+        </p:spPr>
+        <p:txBody>
+          <a:bodyPr wrap="none" rtlCol="0">
+            <a:spAutoFit/>
+          </a:bodyPr>
+          <a:lstStyle/>
+          <a:p>
+            <a:pPr algn="ctr"/>
+            <a:r>
+              <a:rPr kumimoji="1" lang="ja-JP" altLang="en-US" sz="4400" b="1">
+                <a:solidFill>
+                  <a:schemeClr val="accent1"/>
+                </a:solidFill>
+                <a:latin typeface="BIZ UDPGothic" panose="020B0400000000000000" pitchFamily="34" charset="-128"/>
+                <a:ea typeface="BIZ UDPGothic" panose="020B0400000000000000" pitchFamily="34" charset="-128"/>
+              </a:rPr>
+              <a:t>衛星自身</a:t>
+            </a:r>
+            <a:r>
+              <a:rPr kumimoji="1" lang="en-US" altLang="ja-JP" sz="2400" b="1" dirty="0">
+                <a:solidFill>
+                  <a:schemeClr val="accent1"/>
+                </a:solidFill>
+                <a:latin typeface="BIZ UDPGothic" panose="020B0400000000000000" pitchFamily="34" charset="-128"/>
+                <a:ea typeface="BIZ UDPGothic" panose="020B0400000000000000" pitchFamily="34" charset="-128"/>
+              </a:rPr>
+              <a:t> </a:t>
+            </a:r>
+            <a:r>
+              <a:rPr kumimoji="1" lang="ja-JP" altLang="en-US" sz="3600" b="1">
+                <a:solidFill>
+                  <a:schemeClr val="accent1"/>
+                </a:solidFill>
+                <a:latin typeface="BIZ UDPGothic" panose="020B0400000000000000" pitchFamily="34" charset="-128"/>
+                <a:ea typeface="BIZ UDPGothic" panose="020B0400000000000000" pitchFamily="34" charset="-128"/>
+              </a:rPr>
+              <a:t>の状態</a:t>
+            </a:r>
+          </a:p>
+        </p:txBody>
+      </p:sp>
+      <p:sp>
+        <p:nvSpPr>
+          <p:cNvPr id="13" name="正方形/長方形 12">
+            <a:extLst>
+              <a:ext uri="{FF2B5EF4-FFF2-40B4-BE49-F238E27FC236}">
+                <a16:creationId xmlns:a16="http://schemas.microsoft.com/office/drawing/2014/main" id="{AE36527C-1795-2C81-983A-DD69D7BD3FCC}"/>
+              </a:ext>
+            </a:extLst>
+          </p:cNvPr>
+          <p:cNvSpPr/>
+          <p:nvPr/>
+        </p:nvSpPr>
+        <p:spPr>
+          <a:xfrm>
+            <a:off x="5871576" y="997385"/>
+            <a:ext cx="3184741" cy="607514"/>
+          </a:xfrm>
+          <a:prstGeom prst="rect">
+            <a:avLst/>
+          </a:prstGeom>
+          <a:solidFill>
+            <a:schemeClr val="bg1"/>
+          </a:solidFill>
+          <a:ln>
+            <a:noFill/>
+          </a:ln>
+        </p:spPr>
+        <p:style>
+          <a:lnRef idx="2">
+            <a:schemeClr val="accent1">
+              <a:shade val="15000"/>
+            </a:schemeClr>
+          </a:lnRef>
+          <a:fillRef idx="1">
+            <a:schemeClr val="accent1"/>
+          </a:fillRef>
+          <a:effectRef idx="0">
+            <a:schemeClr val="accent1"/>
+          </a:effectRef>
+          <a:fontRef idx="minor">
+            <a:schemeClr val="lt1"/>
+          </a:fontRef>
+        </p:style>
+        <p:txBody>
+          <a:bodyPr rtlCol="0" anchor="ctr"/>
+          <a:lstStyle/>
+          <a:p>
+            <a:pPr algn="ctr"/>
+            <a:r>
+              <a:rPr kumimoji="1" lang="ja-JP" altLang="en-US" sz="3200" b="1">
+                <a:solidFill>
+                  <a:schemeClr val="accent3"/>
+                </a:solidFill>
+                <a:latin typeface="BIZ UDPGothic" panose="020B0400000000000000" pitchFamily="34" charset="-128"/>
+                <a:ea typeface="BIZ UDPGothic" panose="020B0400000000000000" pitchFamily="34" charset="-128"/>
+              </a:rPr>
+              <a:t>ミッションデータ</a:t>
+            </a:r>
+          </a:p>
+        </p:txBody>
+      </p:sp>
+      <p:sp>
+        <p:nvSpPr>
+          <p:cNvPr id="14" name="テキスト ボックス 13">
+            <a:extLst>
+              <a:ext uri="{FF2B5EF4-FFF2-40B4-BE49-F238E27FC236}">
+                <a16:creationId xmlns:a16="http://schemas.microsoft.com/office/drawing/2014/main" id="{DE565C03-92DA-183C-AE82-B0FC0453C48E}"/>
+              </a:ext>
+            </a:extLst>
+          </p:cNvPr>
+          <p:cNvSpPr txBox="1"/>
+          <p:nvPr/>
+        </p:nvSpPr>
+        <p:spPr>
+          <a:xfrm>
+            <a:off x="6200598" y="1929220"/>
+            <a:ext cx="3155031" cy="1283493"/>
+          </a:xfrm>
+          <a:prstGeom prst="rect">
+            <a:avLst/>
+          </a:prstGeom>
+          <a:noFill/>
+        </p:spPr>
+        <p:txBody>
+          <a:bodyPr wrap="none" rtlCol="0">
+            <a:spAutoFit/>
+          </a:bodyPr>
+          <a:lstStyle/>
+          <a:p>
+            <a:pPr algn="ctr">
+              <a:lnSpc>
+                <a:spcPct val="110000"/>
+              </a:lnSpc>
+            </a:pPr>
+            <a:r>
+              <a:rPr kumimoji="1" lang="ja-JP" altLang="en-US" sz="3600" b="1">
+                <a:solidFill>
+                  <a:schemeClr val="accent3"/>
+                </a:solidFill>
+                <a:latin typeface="BIZ UDPGothic" panose="020B0400000000000000" pitchFamily="34" charset="-128"/>
+                <a:ea typeface="BIZ UDPGothic" panose="020B0400000000000000" pitchFamily="34" charset="-128"/>
+              </a:rPr>
+              <a:t>ミッション機器</a:t>
+            </a:r>
+            <a:endParaRPr kumimoji="1" lang="en-US" altLang="ja-JP" sz="3600" b="1" dirty="0">
+              <a:solidFill>
+                <a:schemeClr val="accent3"/>
+              </a:solidFill>
+              <a:latin typeface="BIZ UDPGothic" panose="020B0400000000000000" pitchFamily="34" charset="-128"/>
+              <a:ea typeface="BIZ UDPGothic" panose="020B0400000000000000" pitchFamily="34" charset="-128"/>
+            </a:endParaRPr>
+          </a:p>
+          <a:p>
+            <a:pPr algn="ctr">
+              <a:lnSpc>
+                <a:spcPct val="110000"/>
+              </a:lnSpc>
+            </a:pPr>
+            <a:r>
+              <a:rPr kumimoji="1" lang="ja-JP" altLang="en-US" sz="4000" b="1">
+                <a:solidFill>
+                  <a:schemeClr val="accent3"/>
+                </a:solidFill>
+                <a:latin typeface="BIZ UDPGothic" panose="020B0400000000000000" pitchFamily="34" charset="-128"/>
+                <a:ea typeface="BIZ UDPGothic" panose="020B0400000000000000" pitchFamily="34" charset="-128"/>
+              </a:rPr>
+              <a:t>からのデータ</a:t>
+            </a:r>
+            <a:endParaRPr kumimoji="1" lang="ja-JP" altLang="en-US" sz="3200" b="1">
+              <a:solidFill>
+                <a:schemeClr val="accent3"/>
+              </a:solidFill>
+              <a:latin typeface="BIZ UDPGothic" panose="020B0400000000000000" pitchFamily="34" charset="-128"/>
+              <a:ea typeface="BIZ UDPGothic" panose="020B0400000000000000" pitchFamily="34" charset="-128"/>
+            </a:endParaRPr>
+          </a:p>
+        </p:txBody>
+      </p:sp>
+    </p:spTree>
+    <p:extLst>
+      <p:ext uri="{BB962C8B-B14F-4D97-AF65-F5344CB8AC3E}">
+        <p14:creationId xmlns:p14="http://schemas.microsoft.com/office/powerpoint/2010/main" val="756840541"/>
+      </p:ext>
+    </p:extLst>
+  </p:cSld>
+  <p:clrMapOvr>
+    <a:masterClrMapping/>
+  </p:clrMapOvr>
+</p:sld>
+</file>
+
 <file path=ppt/theme/theme1.xml><?xml version="1.0" encoding="utf-8"?>
 <a:theme xmlns:a="http://schemas.openxmlformats.org/drawingml/2006/main" name="Office テーマ">
   <a:themeElements>

--- a/assets/cubesat-rc.pptx
+++ b/assets/cubesat-rc.pptx
@@ -7,6 +7,7 @@
   <p:sldIdLst>
     <p:sldId id="256" r:id="rId2"/>
     <p:sldId id="257" r:id="rId3"/>
+    <p:sldId id="258" r:id="rId4"/>
   </p:sldIdLst>
   <p:sldSz cx="10799763" cy="7199313"/>
   <p:notesSz cx="6858000" cy="9144000"/>
@@ -4118,6 +4119,354 @@
 </p:sld>
 </file>
 
+<file path=ppt/slides/slide3.xml><?xml version="1.0" encoding="utf-8"?>
+<p:sld xmlns:a="http://schemas.openxmlformats.org/drawingml/2006/main" xmlns:r="http://schemas.openxmlformats.org/officeDocument/2006/relationships" xmlns:p="http://schemas.openxmlformats.org/presentationml/2006/main">
+  <p:cSld>
+    <p:spTree>
+      <p:nvGrpSpPr>
+        <p:cNvPr id="1" name="">
+          <a:extLst>
+            <a:ext uri="{FF2B5EF4-FFF2-40B4-BE49-F238E27FC236}">
+              <a16:creationId xmlns:a16="http://schemas.microsoft.com/office/drawing/2014/main" id="{6A49BA0E-AFF8-B91F-349D-10EA578A8325}"/>
+            </a:ext>
+          </a:extLst>
+        </p:cNvPr>
+        <p:cNvGrpSpPr/>
+        <p:nvPr/>
+      </p:nvGrpSpPr>
+      <p:grpSpPr>
+        <a:xfrm>
+          <a:off x="0" y="0"/>
+          <a:ext cx="0" cy="0"/>
+          <a:chOff x="0" y="0"/>
+          <a:chExt cx="0" cy="0"/>
+        </a:xfrm>
+      </p:grpSpPr>
+      <p:pic>
+        <p:nvPicPr>
+          <p:cNvPr id="1026" name="Picture 2" descr="人工衛星のイラスト">
+            <a:extLst>
+              <a:ext uri="{FF2B5EF4-FFF2-40B4-BE49-F238E27FC236}">
+                <a16:creationId xmlns:a16="http://schemas.microsoft.com/office/drawing/2014/main" id="{5B4A257D-B8BD-9D3D-397B-7DCC07B45D54}"/>
+              </a:ext>
+            </a:extLst>
+          </p:cNvPr>
+          <p:cNvPicPr>
+            <a:picLocks noChangeAspect="1" noChangeArrowheads="1"/>
+          </p:cNvPicPr>
+          <p:nvPr/>
+        </p:nvPicPr>
+        <p:blipFill>
+          <a:blip r:embed="rId2">
+            <a:extLst>
+              <a:ext uri="{28A0092B-C50C-407E-A947-70E740481C1C}">
+                <a14:useLocalDpi xmlns:a14="http://schemas.microsoft.com/office/drawing/2010/main" val="0"/>
+              </a:ext>
+            </a:extLst>
+          </a:blip>
+          <a:srcRect/>
+          <a:stretch>
+            <a:fillRect/>
+          </a:stretch>
+        </p:blipFill>
+        <p:spPr bwMode="auto">
+          <a:xfrm rot="20797277">
+            <a:off x="7429796" y="395460"/>
+            <a:ext cx="2914024" cy="2782893"/>
+          </a:xfrm>
+          <a:prstGeom prst="rect">
+            <a:avLst/>
+          </a:prstGeom>
+          <a:noFill/>
+          <a:extLst>
+            <a:ext uri="{909E8E84-426E-40DD-AFC4-6F175D3DCCD1}">
+              <a14:hiddenFill xmlns:a14="http://schemas.microsoft.com/office/drawing/2010/main">
+                <a:solidFill>
+                  <a:srgbClr val="FFFFFF"/>
+                </a:solidFill>
+              </a14:hiddenFill>
+            </a:ext>
+          </a:extLst>
+        </p:spPr>
+      </p:pic>
+      <p:pic>
+        <p:nvPicPr>
+          <p:cNvPr id="1028" name="Picture 4" descr="地球ののイラスト">
+            <a:extLst>
+              <a:ext uri="{FF2B5EF4-FFF2-40B4-BE49-F238E27FC236}">
+                <a16:creationId xmlns:a16="http://schemas.microsoft.com/office/drawing/2014/main" id="{C75A5791-1E7A-CCC9-BBAD-4F4F4A6780A5}"/>
+              </a:ext>
+            </a:extLst>
+          </p:cNvPr>
+          <p:cNvPicPr>
+            <a:picLocks noChangeAspect="1" noChangeArrowheads="1"/>
+          </p:cNvPicPr>
+          <p:nvPr/>
+        </p:nvPicPr>
+        <p:blipFill>
+          <a:blip r:embed="rId3">
+            <a:extLst>
+              <a:ext uri="{28A0092B-C50C-407E-A947-70E740481C1C}">
+                <a14:useLocalDpi xmlns:a14="http://schemas.microsoft.com/office/drawing/2010/main" val="0"/>
+              </a:ext>
+            </a:extLst>
+          </a:blip>
+          <a:srcRect/>
+          <a:stretch>
+            <a:fillRect/>
+          </a:stretch>
+        </p:blipFill>
+        <p:spPr bwMode="auto">
+          <a:xfrm>
+            <a:off x="526095" y="4048918"/>
+            <a:ext cx="2887331" cy="2829585"/>
+          </a:xfrm>
+          <a:prstGeom prst="rect">
+            <a:avLst/>
+          </a:prstGeom>
+          <a:noFill/>
+          <a:extLst>
+            <a:ext uri="{909E8E84-426E-40DD-AFC4-6F175D3DCCD1}">
+              <a14:hiddenFill xmlns:a14="http://schemas.microsoft.com/office/drawing/2010/main">
+                <a:solidFill>
+                  <a:srgbClr val="FFFFFF"/>
+                </a:solidFill>
+              </a14:hiddenFill>
+            </a:ext>
+          </a:extLst>
+        </p:spPr>
+      </p:pic>
+      <p:pic>
+        <p:nvPicPr>
+          <p:cNvPr id="1030" name="Picture 6" descr="テレビのアンテナのイラスト">
+            <a:extLst>
+              <a:ext uri="{FF2B5EF4-FFF2-40B4-BE49-F238E27FC236}">
+                <a16:creationId xmlns:a16="http://schemas.microsoft.com/office/drawing/2014/main" id="{EB830770-C26D-CF7B-99D1-C8F56EDAA86D}"/>
+              </a:ext>
+            </a:extLst>
+          </p:cNvPr>
+          <p:cNvPicPr>
+            <a:picLocks noChangeAspect="1" noChangeArrowheads="1"/>
+          </p:cNvPicPr>
+          <p:nvPr/>
+        </p:nvPicPr>
+        <p:blipFill>
+          <a:blip r:embed="rId4">
+            <a:extLst>
+              <a:ext uri="{28A0092B-C50C-407E-A947-70E740481C1C}">
+                <a14:useLocalDpi xmlns:a14="http://schemas.microsoft.com/office/drawing/2010/main" val="0"/>
+              </a:ext>
+            </a:extLst>
+          </a:blip>
+          <a:srcRect/>
+          <a:stretch>
+            <a:fillRect/>
+          </a:stretch>
+        </p:blipFill>
+        <p:spPr bwMode="auto">
+          <a:xfrm flipH="1">
+            <a:off x="778949" y="3230088"/>
+            <a:ext cx="1934998" cy="1934998"/>
+          </a:xfrm>
+          <a:prstGeom prst="rect">
+            <a:avLst/>
+          </a:prstGeom>
+          <a:noFill/>
+          <a:extLst>
+            <a:ext uri="{909E8E84-426E-40DD-AFC4-6F175D3DCCD1}">
+              <a14:hiddenFill xmlns:a14="http://schemas.microsoft.com/office/drawing/2010/main">
+                <a:solidFill>
+                  <a:srgbClr val="FFFFFF"/>
+                </a:solidFill>
+              </a14:hiddenFill>
+            </a:ext>
+          </a:extLst>
+        </p:spPr>
+      </p:pic>
+      <p:cxnSp>
+        <p:nvCxnSpPr>
+          <p:cNvPr id="9" name="直線矢印コネクタ 8">
+            <a:extLst>
+              <a:ext uri="{FF2B5EF4-FFF2-40B4-BE49-F238E27FC236}">
+                <a16:creationId xmlns:a16="http://schemas.microsoft.com/office/drawing/2014/main" id="{23EBAE68-DC58-9336-DC50-987762909ABE}"/>
+              </a:ext>
+            </a:extLst>
+          </p:cNvPr>
+          <p:cNvCxnSpPr>
+            <a:cxnSpLocks/>
+          </p:cNvCxnSpPr>
+          <p:nvPr/>
+        </p:nvCxnSpPr>
+        <p:spPr>
+          <a:xfrm flipV="1">
+            <a:off x="3481260" y="2515064"/>
+            <a:ext cx="3614000" cy="1391918"/>
+          </a:xfrm>
+          <a:prstGeom prst="straightConnector1">
+            <a:avLst/>
+          </a:prstGeom>
+          <a:ln w="152400">
+            <a:solidFill>
+              <a:schemeClr val="accent3"/>
+            </a:solidFill>
+            <a:tailEnd type="triangle"/>
+          </a:ln>
+        </p:spPr>
+        <p:style>
+          <a:lnRef idx="2">
+            <a:schemeClr val="accent1"/>
+          </a:lnRef>
+          <a:fillRef idx="0">
+            <a:schemeClr val="accent1"/>
+          </a:fillRef>
+          <a:effectRef idx="1">
+            <a:schemeClr val="accent1"/>
+          </a:effectRef>
+          <a:fontRef idx="minor">
+            <a:schemeClr val="tx1"/>
+          </a:fontRef>
+        </p:style>
+      </p:cxnSp>
+      <p:cxnSp>
+        <p:nvCxnSpPr>
+          <p:cNvPr id="14" name="直線矢印コネクタ 13">
+            <a:extLst>
+              <a:ext uri="{FF2B5EF4-FFF2-40B4-BE49-F238E27FC236}">
+                <a16:creationId xmlns:a16="http://schemas.microsoft.com/office/drawing/2014/main" id="{1D10CB3C-CC60-F121-7752-142731CF916F}"/>
+              </a:ext>
+            </a:extLst>
+          </p:cNvPr>
+          <p:cNvCxnSpPr>
+            <a:cxnSpLocks/>
+          </p:cNvCxnSpPr>
+          <p:nvPr/>
+        </p:nvCxnSpPr>
+        <p:spPr>
+          <a:xfrm flipV="1">
+            <a:off x="3556416" y="3232724"/>
+            <a:ext cx="3614000" cy="1391918"/>
+          </a:xfrm>
+          <a:prstGeom prst="straightConnector1">
+            <a:avLst/>
+          </a:prstGeom>
+          <a:ln w="152400">
+            <a:solidFill>
+              <a:schemeClr val="accent5"/>
+            </a:solidFill>
+            <a:headEnd type="triangle"/>
+            <a:tailEnd type="none"/>
+          </a:ln>
+        </p:spPr>
+        <p:style>
+          <a:lnRef idx="2">
+            <a:schemeClr val="accent1"/>
+          </a:lnRef>
+          <a:fillRef idx="0">
+            <a:schemeClr val="accent1"/>
+          </a:fillRef>
+          <a:effectRef idx="1">
+            <a:schemeClr val="accent1"/>
+          </a:effectRef>
+          <a:fontRef idx="minor">
+            <a:schemeClr val="tx1"/>
+          </a:fontRef>
+        </p:style>
+      </p:cxnSp>
+      <p:sp>
+        <p:nvSpPr>
+          <p:cNvPr id="15" name="テキスト ボックス 14">
+            <a:extLst>
+              <a:ext uri="{FF2B5EF4-FFF2-40B4-BE49-F238E27FC236}">
+                <a16:creationId xmlns:a16="http://schemas.microsoft.com/office/drawing/2014/main" id="{97B735D1-D4E9-4652-1C59-66ED47B0886F}"/>
+              </a:ext>
+            </a:extLst>
+          </p:cNvPr>
+          <p:cNvSpPr txBox="1"/>
+          <p:nvPr/>
+        </p:nvSpPr>
+        <p:spPr>
+          <a:xfrm>
+            <a:off x="5455096" y="4072668"/>
+            <a:ext cx="3408305" cy="707886"/>
+          </a:xfrm>
+          <a:prstGeom prst="rect">
+            <a:avLst/>
+          </a:prstGeom>
+          <a:noFill/>
+        </p:spPr>
+        <p:txBody>
+          <a:bodyPr wrap="none" rtlCol="0">
+            <a:spAutoFit/>
+          </a:bodyPr>
+          <a:lstStyle/>
+          <a:p>
+            <a:r>
+              <a:rPr kumimoji="1" lang="ja-JP" altLang="en-US" sz="4000" b="1">
+                <a:solidFill>
+                  <a:schemeClr val="accent5"/>
+                </a:solidFill>
+                <a:latin typeface="BIZ UDPGothic" panose="020B0400000000000000" pitchFamily="34" charset="-128"/>
+                <a:ea typeface="BIZ UDPGothic" panose="020B0400000000000000" pitchFamily="34" charset="-128"/>
+              </a:rPr>
+              <a:t>　ダウンリンク</a:t>
+            </a:r>
+          </a:p>
+        </p:txBody>
+      </p:sp>
+      <p:sp>
+        <p:nvSpPr>
+          <p:cNvPr id="16" name="テキスト ボックス 15">
+            <a:extLst>
+              <a:ext uri="{FF2B5EF4-FFF2-40B4-BE49-F238E27FC236}">
+                <a16:creationId xmlns:a16="http://schemas.microsoft.com/office/drawing/2014/main" id="{2D3C1699-D885-5059-1A37-1388BB12EB85}"/>
+              </a:ext>
+            </a:extLst>
+          </p:cNvPr>
+          <p:cNvSpPr txBox="1"/>
+          <p:nvPr/>
+        </p:nvSpPr>
+        <p:spPr>
+          <a:xfrm>
+            <a:off x="2480165" y="2094758"/>
+            <a:ext cx="3071675" cy="707886"/>
+          </a:xfrm>
+          <a:prstGeom prst="rect">
+            <a:avLst/>
+          </a:prstGeom>
+          <a:noFill/>
+        </p:spPr>
+        <p:txBody>
+          <a:bodyPr wrap="none" rtlCol="0">
+            <a:spAutoFit/>
+          </a:bodyPr>
+          <a:lstStyle/>
+          <a:p>
+            <a:r>
+              <a:rPr kumimoji="1" lang="ja-JP" altLang="en-US" sz="4000" b="1">
+                <a:solidFill>
+                  <a:schemeClr val="accent3"/>
+                </a:solidFill>
+                <a:latin typeface="BIZ UDPGothic" panose="020B0400000000000000" pitchFamily="34" charset="-128"/>
+                <a:ea typeface="BIZ UDPGothic" panose="020B0400000000000000" pitchFamily="34" charset="-128"/>
+              </a:rPr>
+              <a:t>アップリンク</a:t>
+            </a:r>
+          </a:p>
+        </p:txBody>
+      </p:sp>
+    </p:spTree>
+    <p:extLst>
+      <p:ext uri="{BB962C8B-B14F-4D97-AF65-F5344CB8AC3E}">
+        <p14:creationId xmlns:p14="http://schemas.microsoft.com/office/powerpoint/2010/main" val="2689639467"/>
+      </p:ext>
+    </p:extLst>
+  </p:cSld>
+  <p:clrMapOvr>
+    <a:masterClrMapping/>
+  </p:clrMapOvr>
+</p:sld>
+</file>
+
 <file path=ppt/theme/theme1.xml><?xml version="1.0" encoding="utf-8"?>
 <a:theme xmlns:a="http://schemas.openxmlformats.org/drawingml/2006/main" name="Office テーマ">
   <a:themeElements>
